--- a/카카오엔터프라이즈과제.pptx
+++ b/카카오엔터프라이즈과제.pptx
@@ -4221,286 +4221,307 @@
           </a:p>
         </p:txBody>
       </p:sp>
-      <p:sp>
-        <p:nvSpPr>
-          <p:cNvPr id="13" name="직사각형 12">
-            <a:extLst>
-              <a:ext uri="{FF2B5EF4-FFF2-40B4-BE49-F238E27FC236}">
-                <a16:creationId xmlns:a16="http://schemas.microsoft.com/office/drawing/2014/main" id="{0185BDCD-3F74-4236-813F-4950E327F15D}"/>
-              </a:ext>
-            </a:extLst>
-          </p:cNvPr>
-          <p:cNvSpPr/>
+      <p:grpSp>
+        <p:nvGrpSpPr>
+          <p:cNvPr id="3" name="그룹 2">
+            <a:extLst>
+              <a:ext uri="{FF2B5EF4-FFF2-40B4-BE49-F238E27FC236}">
+                <a16:creationId xmlns:a16="http://schemas.microsoft.com/office/drawing/2014/main" id="{16E6E4F7-A7D4-429D-9C0E-76D9B6757647}"/>
+              </a:ext>
+            </a:extLst>
+          </p:cNvPr>
+          <p:cNvGrpSpPr/>
           <p:nvPr/>
-        </p:nvSpPr>
-        <p:spPr>
+        </p:nvGrpSpPr>
+        <p:grpSpPr>
           <a:xfrm>
-            <a:off x="2966553" y="2384855"/>
-            <a:ext cx="6790234" cy="3105427"/>
+            <a:off x="2435213" y="1888695"/>
+            <a:ext cx="7321574" cy="3428593"/>
+            <a:chOff x="2435213" y="2061689"/>
+            <a:chExt cx="7321574" cy="3428593"/>
           </a:xfrm>
-          <a:prstGeom prst="rect">
-            <a:avLst/>
-          </a:prstGeom>
-          <a:solidFill>
-            <a:schemeClr val="accent3">
-              <a:lumMod val="20000"/>
-              <a:lumOff val="80000"/>
-            </a:schemeClr>
-          </a:solidFill>
-          <a:ln w="19050">
+        </p:grpSpPr>
+        <p:sp>
+          <p:nvSpPr>
+            <p:cNvPr id="13" name="직사각형 12">
+              <a:extLst>
+                <a:ext uri="{FF2B5EF4-FFF2-40B4-BE49-F238E27FC236}">
+                  <a16:creationId xmlns:a16="http://schemas.microsoft.com/office/drawing/2014/main" id="{0185BDCD-3F74-4236-813F-4950E327F15D}"/>
+                </a:ext>
+              </a:extLst>
+            </p:cNvPr>
+            <p:cNvSpPr/>
+            <p:nvPr/>
+          </p:nvSpPr>
+          <p:spPr>
+            <a:xfrm>
+              <a:off x="2966553" y="2384855"/>
+              <a:ext cx="6790234" cy="3105427"/>
+            </a:xfrm>
+            <a:prstGeom prst="rect">
+              <a:avLst/>
+            </a:prstGeom>
             <a:solidFill>
-              <a:schemeClr val="tx1"/>
+              <a:schemeClr val="accent3">
+                <a:lumMod val="20000"/>
+                <a:lumOff val="80000"/>
+              </a:schemeClr>
             </a:solidFill>
-          </a:ln>
-        </p:spPr>
-        <p:style>
-          <a:lnRef idx="2">
-            <a:schemeClr val="accent1">
-              <a:shade val="50000"/>
-            </a:schemeClr>
-          </a:lnRef>
-          <a:fillRef idx="1">
-            <a:schemeClr val="accent1"/>
-          </a:fillRef>
-          <a:effectRef idx="0">
-            <a:schemeClr val="accent1"/>
-          </a:effectRef>
-          <a:fontRef idx="minor">
-            <a:schemeClr val="lt1"/>
-          </a:fontRef>
-        </p:style>
-        <p:txBody>
-          <a:bodyPr rtlCol="0" anchor="ctr"/>
-          <a:lstStyle/>
-          <a:p>
-            <a:pPr algn="ctr"/>
-            <a:r>
-              <a:rPr lang="ko-KR" altLang="en-US" sz="2400" dirty="0">
-                <a:solidFill>
-                  <a:srgbClr val="FF0000"/>
-                </a:solidFill>
-                <a:latin typeface="나눔고딕코딩" panose="020D0009000000000000" pitchFamily="49" charset="-127"/>
-                <a:ea typeface="나눔고딕코딩" panose="020D0009000000000000" pitchFamily="49" charset="-127"/>
-              </a:rPr>
-              <a:t>채널을 통한 통신</a:t>
-            </a:r>
-            <a:r>
-              <a:rPr lang="ko-KR" altLang="en-US" sz="2400" dirty="0">
+            <a:ln w="19050">
+              <a:solidFill>
+                <a:schemeClr val="tx1"/>
+              </a:solidFill>
+            </a:ln>
+          </p:spPr>
+          <p:style>
+            <a:lnRef idx="2">
+              <a:schemeClr val="accent1">
+                <a:shade val="50000"/>
+              </a:schemeClr>
+            </a:lnRef>
+            <a:fillRef idx="1">
+              <a:schemeClr val="accent1"/>
+            </a:fillRef>
+            <a:effectRef idx="0">
+              <a:schemeClr val="accent1"/>
+            </a:effectRef>
+            <a:fontRef idx="minor">
+              <a:schemeClr val="lt1"/>
+            </a:fontRef>
+          </p:style>
+          <p:txBody>
+            <a:bodyPr rtlCol="0" anchor="ctr"/>
+            <a:lstStyle/>
+            <a:p>
+              <a:pPr algn="ctr"/>
+              <a:r>
+                <a:rPr lang="ko-KR" altLang="en-US" sz="2400" dirty="0">
+                  <a:solidFill>
+                    <a:srgbClr val="FF0000"/>
+                  </a:solidFill>
+                  <a:latin typeface="나눔고딕코딩" panose="020D0009000000000000" pitchFamily="49" charset="-127"/>
+                  <a:ea typeface="나눔고딕코딩" panose="020D0009000000000000" pitchFamily="49" charset="-127"/>
+                </a:rPr>
+                <a:t>채널을 통한 통신</a:t>
+              </a:r>
+              <a:r>
+                <a:rPr lang="ko-KR" altLang="en-US" sz="2400" dirty="0">
+                  <a:solidFill>
+                    <a:sysClr val="windowText" lastClr="000000"/>
+                  </a:solidFill>
+                  <a:latin typeface="나눔고딕코딩" panose="020D0009000000000000" pitchFamily="49" charset="-127"/>
+                  <a:ea typeface="나눔고딕코딩" panose="020D0009000000000000" pitchFamily="49" charset="-127"/>
+                </a:rPr>
+                <a:t>으로</a:t>
+              </a:r>
+              <a:endParaRPr lang="en-US" altLang="ko-KR" sz="2400" dirty="0">
                 <a:solidFill>
                   <a:sysClr val="windowText" lastClr="000000"/>
                 </a:solidFill>
                 <a:latin typeface="나눔고딕코딩" panose="020D0009000000000000" pitchFamily="49" charset="-127"/>
                 <a:ea typeface="나눔고딕코딩" panose="020D0009000000000000" pitchFamily="49" charset="-127"/>
-              </a:rPr>
-              <a:t>으로</a:t>
-            </a:r>
-            <a:endParaRPr lang="en-US" altLang="ko-KR" sz="2400" dirty="0">
-              <a:solidFill>
-                <a:sysClr val="windowText" lastClr="000000"/>
-              </a:solidFill>
-              <a:latin typeface="나눔고딕코딩" panose="020D0009000000000000" pitchFamily="49" charset="-127"/>
-              <a:ea typeface="나눔고딕코딩" panose="020D0009000000000000" pitchFamily="49" charset="-127"/>
-            </a:endParaRPr>
-          </a:p>
-          <a:p>
-            <a:pPr algn="ctr"/>
-            <a:r>
-              <a:rPr lang="ko-KR" altLang="en-US" sz="2400" dirty="0">
+              </a:endParaRPr>
+            </a:p>
+            <a:p>
+              <a:pPr algn="ctr"/>
+              <a:r>
+                <a:rPr lang="ko-KR" altLang="en-US" sz="2400" dirty="0">
+                  <a:solidFill>
+                    <a:sysClr val="windowText" lastClr="000000"/>
+                  </a:solidFill>
+                  <a:latin typeface="나눔고딕코딩" panose="020D0009000000000000" pitchFamily="49" charset="-127"/>
+                  <a:ea typeface="나눔고딕코딩" panose="020D0009000000000000" pitchFamily="49" charset="-127"/>
+                </a:rPr>
+                <a:t>공유 메모리를 사용하지 않고도</a:t>
+              </a:r>
+              <a:endParaRPr lang="en-US" altLang="ko-KR" sz="2400" dirty="0">
                 <a:solidFill>
                   <a:sysClr val="windowText" lastClr="000000"/>
                 </a:solidFill>
                 <a:latin typeface="나눔고딕코딩" panose="020D0009000000000000" pitchFamily="49" charset="-127"/>
                 <a:ea typeface="나눔고딕코딩" panose="020D0009000000000000" pitchFamily="49" charset="-127"/>
-              </a:rPr>
-              <a:t>공유 메모리를 사용하지 않고도</a:t>
-            </a:r>
-            <a:endParaRPr lang="en-US" altLang="ko-KR" sz="2400" dirty="0">
-              <a:solidFill>
-                <a:sysClr val="windowText" lastClr="000000"/>
-              </a:solidFill>
-              <a:latin typeface="나눔고딕코딩" panose="020D0009000000000000" pitchFamily="49" charset="-127"/>
-              <a:ea typeface="나눔고딕코딩" panose="020D0009000000000000" pitchFamily="49" charset="-127"/>
-            </a:endParaRPr>
-          </a:p>
-          <a:p>
-            <a:pPr algn="ctr"/>
-            <a:r>
-              <a:rPr lang="ko-KR" altLang="en-US" sz="2400" dirty="0" err="1">
+              </a:endParaRPr>
+            </a:p>
+            <a:p>
+              <a:pPr algn="ctr"/>
+              <a:r>
+                <a:rPr lang="ko-KR" altLang="en-US" sz="2400" dirty="0" err="1">
+                  <a:solidFill>
+                    <a:sysClr val="windowText" lastClr="000000"/>
+                  </a:solidFill>
+                  <a:latin typeface="나눔고딕코딩" panose="020D0009000000000000" pitchFamily="49" charset="-127"/>
+                  <a:ea typeface="나눔고딕코딩" panose="020D0009000000000000" pitchFamily="49" charset="-127"/>
+                </a:rPr>
+                <a:t>고루틴</a:t>
+              </a:r>
+              <a:r>
+                <a:rPr lang="ko-KR" altLang="en-US" sz="2400" dirty="0">
+                  <a:solidFill>
+                    <a:sysClr val="windowText" lastClr="000000"/>
+                  </a:solidFill>
+                  <a:latin typeface="나눔고딕코딩" panose="020D0009000000000000" pitchFamily="49" charset="-127"/>
+                  <a:ea typeface="나눔고딕코딩" panose="020D0009000000000000" pitchFamily="49" charset="-127"/>
+                </a:rPr>
+                <a:t> 사이에서 서로 변수나 상태를</a:t>
+              </a:r>
+              <a:endParaRPr lang="en-US" altLang="ko-KR" sz="2400" dirty="0">
                 <a:solidFill>
                   <a:sysClr val="windowText" lastClr="000000"/>
                 </a:solidFill>
                 <a:latin typeface="나눔고딕코딩" panose="020D0009000000000000" pitchFamily="49" charset="-127"/>
                 <a:ea typeface="나눔고딕코딩" panose="020D0009000000000000" pitchFamily="49" charset="-127"/>
-              </a:rPr>
-              <a:t>고루틴</a:t>
-            </a:r>
-            <a:r>
-              <a:rPr lang="ko-KR" altLang="en-US" sz="2400" dirty="0">
-                <a:solidFill>
-                  <a:sysClr val="windowText" lastClr="000000"/>
-                </a:solidFill>
-                <a:latin typeface="나눔고딕코딩" panose="020D0009000000000000" pitchFamily="49" charset="-127"/>
-                <a:ea typeface="나눔고딕코딩" panose="020D0009000000000000" pitchFamily="49" charset="-127"/>
-              </a:rPr>
-              <a:t> 사이에서 서로 변수나 상태를</a:t>
-            </a:r>
-            <a:endParaRPr lang="en-US" altLang="ko-KR" sz="2400" dirty="0">
-              <a:solidFill>
-                <a:sysClr val="windowText" lastClr="000000"/>
-              </a:solidFill>
-              <a:latin typeface="나눔고딕코딩" panose="020D0009000000000000" pitchFamily="49" charset="-127"/>
-              <a:ea typeface="나눔고딕코딩" panose="020D0009000000000000" pitchFamily="49" charset="-127"/>
-            </a:endParaRPr>
-          </a:p>
-          <a:p>
-            <a:pPr algn="ctr"/>
-            <a:r>
-              <a:rPr lang="ko-KR" altLang="en-US" sz="2400" dirty="0">
-                <a:solidFill>
-                  <a:srgbClr val="FF0000"/>
-                </a:solidFill>
-                <a:latin typeface="나눔고딕코딩" panose="020D0009000000000000" pitchFamily="49" charset="-127"/>
-                <a:ea typeface="나눔고딕코딩" panose="020D0009000000000000" pitchFamily="49" charset="-127"/>
-              </a:rPr>
-              <a:t>교환 </a:t>
-            </a:r>
-            <a:r>
-              <a:rPr lang="en-US" altLang="ko-KR" sz="2400" dirty="0">
-                <a:solidFill>
-                  <a:srgbClr val="FF0000"/>
-                </a:solidFill>
-                <a:latin typeface="나눔고딕코딩" panose="020D0009000000000000" pitchFamily="49" charset="-127"/>
-                <a:ea typeface="나눔고딕코딩" panose="020D0009000000000000" pitchFamily="49" charset="-127"/>
-              </a:rPr>
-              <a:t>/ </a:t>
-            </a:r>
-            <a:r>
-              <a:rPr lang="ko-KR" altLang="en-US" sz="2400" dirty="0">
-                <a:solidFill>
-                  <a:srgbClr val="FF0000"/>
-                </a:solidFill>
-                <a:latin typeface="나눔고딕코딩" panose="020D0009000000000000" pitchFamily="49" charset="-127"/>
-                <a:ea typeface="나눔고딕코딩" panose="020D0009000000000000" pitchFamily="49" charset="-127"/>
-              </a:rPr>
-              <a:t>공유</a:t>
-            </a:r>
-            <a:r>
-              <a:rPr lang="ko-KR" altLang="en-US" sz="2400" dirty="0">
-                <a:solidFill>
-                  <a:sysClr val="windowText" lastClr="000000"/>
-                </a:solidFill>
-                <a:latin typeface="나눔고딕코딩" panose="020D0009000000000000" pitchFamily="49" charset="-127"/>
-                <a:ea typeface="나눔고딕코딩" panose="020D0009000000000000" pitchFamily="49" charset="-127"/>
-              </a:rPr>
-              <a:t>할 수 있다</a:t>
-            </a:r>
-            <a:r>
-              <a:rPr lang="en-US" altLang="ko-KR" sz="2400" dirty="0">
-                <a:solidFill>
-                  <a:sysClr val="windowText" lastClr="000000"/>
-                </a:solidFill>
-                <a:latin typeface="나눔고딕코딩" panose="020D0009000000000000" pitchFamily="49" charset="-127"/>
-                <a:ea typeface="나눔고딕코딩" panose="020D0009000000000000" pitchFamily="49" charset="-127"/>
-              </a:rPr>
-              <a:t>.</a:t>
-            </a:r>
-          </a:p>
-        </p:txBody>
-      </p:sp>
-      <p:sp>
-        <p:nvSpPr>
-          <p:cNvPr id="10" name="직사각형 9">
-            <a:extLst>
-              <a:ext uri="{FF2B5EF4-FFF2-40B4-BE49-F238E27FC236}">
-                <a16:creationId xmlns:a16="http://schemas.microsoft.com/office/drawing/2014/main" id="{0AFD805E-3764-48A5-88CB-08D1B96DDCAB}"/>
-              </a:ext>
-            </a:extLst>
-          </p:cNvPr>
-          <p:cNvSpPr/>
-          <p:nvPr/>
-        </p:nvSpPr>
-        <p:spPr>
-          <a:xfrm>
-            <a:off x="2435213" y="2061689"/>
-            <a:ext cx="6135328" cy="646331"/>
-          </a:xfrm>
-          <a:prstGeom prst="rect">
-            <a:avLst/>
-          </a:prstGeom>
-          <a:ln/>
-        </p:spPr>
-        <p:style>
-          <a:lnRef idx="2">
-            <a:schemeClr val="dk1"/>
-          </a:lnRef>
-          <a:fillRef idx="1">
-            <a:schemeClr val="lt1"/>
-          </a:fillRef>
-          <a:effectRef idx="0">
-            <a:schemeClr val="dk1"/>
-          </a:effectRef>
-          <a:fontRef idx="minor">
-            <a:schemeClr val="dk1"/>
-          </a:fontRef>
-        </p:style>
-        <p:txBody>
-          <a:bodyPr rtlCol="0" anchor="ctr"/>
-          <a:lstStyle/>
-          <a:p>
-            <a:pPr algn="ctr"/>
-            <a:r>
-              <a:rPr lang="en-US" altLang="ko-KR" sz="2400" dirty="0">
-                <a:solidFill>
-                  <a:sysClr val="windowText" lastClr="000000"/>
-                </a:solidFill>
-                <a:latin typeface="나눔고딕코딩" panose="020D0009000000000000" pitchFamily="49" charset="-127"/>
-                <a:ea typeface="나눔고딕코딩" panose="020D0009000000000000" pitchFamily="49" charset="-127"/>
-              </a:rPr>
-              <a:t>“</a:t>
-            </a:r>
-            <a:r>
-              <a:rPr lang="ko-KR" altLang="en-US" sz="2400" dirty="0">
-                <a:solidFill>
-                  <a:sysClr val="windowText" lastClr="000000"/>
-                </a:solidFill>
-                <a:latin typeface="나눔고딕코딩" panose="020D0009000000000000" pitchFamily="49" charset="-127"/>
-                <a:ea typeface="나눔고딕코딩" panose="020D0009000000000000" pitchFamily="49" charset="-127"/>
-              </a:rPr>
-              <a:t>통신하여 </a:t>
-            </a:r>
-            <a:r>
-              <a:rPr lang="ko-KR" altLang="en-US" sz="2400" dirty="0">
-                <a:solidFill>
-                  <a:srgbClr val="FF0000"/>
-                </a:solidFill>
-                <a:latin typeface="나눔고딕코딩" panose="020D0009000000000000" pitchFamily="49" charset="-127"/>
-                <a:ea typeface="나눔고딕코딩" panose="020D0009000000000000" pitchFamily="49" charset="-127"/>
-              </a:rPr>
-              <a:t>메모리를 공유</a:t>
-            </a:r>
-            <a:r>
-              <a:rPr lang="ko-KR" altLang="en-US" sz="2400" dirty="0">
-                <a:solidFill>
-                  <a:schemeClr val="tx1"/>
-                </a:solidFill>
-                <a:latin typeface="나눔고딕코딩" panose="020D0009000000000000" pitchFamily="49" charset="-127"/>
-                <a:ea typeface="나눔고딕코딩" panose="020D0009000000000000" pitchFamily="49" charset="-127"/>
-              </a:rPr>
-              <a:t>하십시오</a:t>
-            </a:r>
-            <a:r>
-              <a:rPr lang="en-US" altLang="ko-KR" sz="2400" dirty="0">
-                <a:solidFill>
-                  <a:sysClr val="windowText" lastClr="000000"/>
-                </a:solidFill>
-                <a:latin typeface="나눔고딕코딩" panose="020D0009000000000000" pitchFamily="49" charset="-127"/>
-                <a:ea typeface="나눔고딕코딩" panose="020D0009000000000000" pitchFamily="49" charset="-127"/>
-              </a:rPr>
-              <a:t>.”</a:t>
-            </a:r>
-          </a:p>
-        </p:txBody>
-      </p:sp>
+              </a:endParaRPr>
+            </a:p>
+            <a:p>
+              <a:pPr algn="ctr"/>
+              <a:r>
+                <a:rPr lang="ko-KR" altLang="en-US" sz="2400" dirty="0">
+                  <a:solidFill>
+                    <a:srgbClr val="FF0000"/>
+                  </a:solidFill>
+                  <a:latin typeface="나눔고딕코딩" panose="020D0009000000000000" pitchFamily="49" charset="-127"/>
+                  <a:ea typeface="나눔고딕코딩" panose="020D0009000000000000" pitchFamily="49" charset="-127"/>
+                </a:rPr>
+                <a:t>교환 </a:t>
+              </a:r>
+              <a:r>
+                <a:rPr lang="en-US" altLang="ko-KR" sz="2400" dirty="0">
+                  <a:solidFill>
+                    <a:srgbClr val="FF0000"/>
+                  </a:solidFill>
+                  <a:latin typeface="나눔고딕코딩" panose="020D0009000000000000" pitchFamily="49" charset="-127"/>
+                  <a:ea typeface="나눔고딕코딩" panose="020D0009000000000000" pitchFamily="49" charset="-127"/>
+                </a:rPr>
+                <a:t>/ </a:t>
+              </a:r>
+              <a:r>
+                <a:rPr lang="ko-KR" altLang="en-US" sz="2400" dirty="0">
+                  <a:solidFill>
+                    <a:srgbClr val="FF0000"/>
+                  </a:solidFill>
+                  <a:latin typeface="나눔고딕코딩" panose="020D0009000000000000" pitchFamily="49" charset="-127"/>
+                  <a:ea typeface="나눔고딕코딩" panose="020D0009000000000000" pitchFamily="49" charset="-127"/>
+                </a:rPr>
+                <a:t>공유</a:t>
+              </a:r>
+              <a:r>
+                <a:rPr lang="ko-KR" altLang="en-US" sz="2400" dirty="0">
+                  <a:solidFill>
+                    <a:sysClr val="windowText" lastClr="000000"/>
+                  </a:solidFill>
+                  <a:latin typeface="나눔고딕코딩" panose="020D0009000000000000" pitchFamily="49" charset="-127"/>
+                  <a:ea typeface="나눔고딕코딩" panose="020D0009000000000000" pitchFamily="49" charset="-127"/>
+                </a:rPr>
+                <a:t>할 수 있다</a:t>
+              </a:r>
+              <a:r>
+                <a:rPr lang="en-US" altLang="ko-KR" sz="2400" dirty="0">
+                  <a:solidFill>
+                    <a:sysClr val="windowText" lastClr="000000"/>
+                  </a:solidFill>
+                  <a:latin typeface="나눔고딕코딩" panose="020D0009000000000000" pitchFamily="49" charset="-127"/>
+                  <a:ea typeface="나눔고딕코딩" panose="020D0009000000000000" pitchFamily="49" charset="-127"/>
+                </a:rPr>
+                <a:t>.</a:t>
+              </a:r>
+            </a:p>
+          </p:txBody>
+        </p:sp>
+        <p:sp>
+          <p:nvSpPr>
+            <p:cNvPr id="10" name="직사각형 9">
+              <a:extLst>
+                <a:ext uri="{FF2B5EF4-FFF2-40B4-BE49-F238E27FC236}">
+                  <a16:creationId xmlns:a16="http://schemas.microsoft.com/office/drawing/2014/main" id="{0AFD805E-3764-48A5-88CB-08D1B96DDCAB}"/>
+                </a:ext>
+              </a:extLst>
+            </p:cNvPr>
+            <p:cNvSpPr/>
+            <p:nvPr/>
+          </p:nvSpPr>
+          <p:spPr>
+            <a:xfrm>
+              <a:off x="2435213" y="2061689"/>
+              <a:ext cx="6135328" cy="646331"/>
+            </a:xfrm>
+            <a:prstGeom prst="rect">
+              <a:avLst/>
+            </a:prstGeom>
+            <a:ln/>
+          </p:spPr>
+          <p:style>
+            <a:lnRef idx="2">
+              <a:schemeClr val="dk1"/>
+            </a:lnRef>
+            <a:fillRef idx="1">
+              <a:schemeClr val="lt1"/>
+            </a:fillRef>
+            <a:effectRef idx="0">
+              <a:schemeClr val="dk1"/>
+            </a:effectRef>
+            <a:fontRef idx="minor">
+              <a:schemeClr val="dk1"/>
+            </a:fontRef>
+          </p:style>
+          <p:txBody>
+            <a:bodyPr rtlCol="0" anchor="ctr"/>
+            <a:lstStyle/>
+            <a:p>
+              <a:pPr algn="ctr"/>
+              <a:r>
+                <a:rPr lang="en-US" altLang="ko-KR" sz="2400" dirty="0">
+                  <a:solidFill>
+                    <a:sysClr val="windowText" lastClr="000000"/>
+                  </a:solidFill>
+                  <a:latin typeface="나눔고딕코딩" panose="020D0009000000000000" pitchFamily="49" charset="-127"/>
+                  <a:ea typeface="나눔고딕코딩" panose="020D0009000000000000" pitchFamily="49" charset="-127"/>
+                </a:rPr>
+                <a:t>“</a:t>
+              </a:r>
+              <a:r>
+                <a:rPr lang="ko-KR" altLang="en-US" sz="2400" dirty="0">
+                  <a:solidFill>
+                    <a:sysClr val="windowText" lastClr="000000"/>
+                  </a:solidFill>
+                  <a:latin typeface="나눔고딕코딩" panose="020D0009000000000000" pitchFamily="49" charset="-127"/>
+                  <a:ea typeface="나눔고딕코딩" panose="020D0009000000000000" pitchFamily="49" charset="-127"/>
+                </a:rPr>
+                <a:t>통신하여 </a:t>
+              </a:r>
+              <a:r>
+                <a:rPr lang="ko-KR" altLang="en-US" sz="2400" dirty="0">
+                  <a:solidFill>
+                    <a:srgbClr val="FF0000"/>
+                  </a:solidFill>
+                  <a:latin typeface="나눔고딕코딩" panose="020D0009000000000000" pitchFamily="49" charset="-127"/>
+                  <a:ea typeface="나눔고딕코딩" panose="020D0009000000000000" pitchFamily="49" charset="-127"/>
+                </a:rPr>
+                <a:t>메모리를 공유</a:t>
+              </a:r>
+              <a:r>
+                <a:rPr lang="ko-KR" altLang="en-US" sz="2400" dirty="0">
+                  <a:solidFill>
+                    <a:schemeClr val="tx1"/>
+                  </a:solidFill>
+                  <a:latin typeface="나눔고딕코딩" panose="020D0009000000000000" pitchFamily="49" charset="-127"/>
+                  <a:ea typeface="나눔고딕코딩" panose="020D0009000000000000" pitchFamily="49" charset="-127"/>
+                </a:rPr>
+                <a:t>하십시오</a:t>
+              </a:r>
+              <a:r>
+                <a:rPr lang="en-US" altLang="ko-KR" sz="2400" dirty="0">
+                  <a:solidFill>
+                    <a:sysClr val="windowText" lastClr="000000"/>
+                  </a:solidFill>
+                  <a:latin typeface="나눔고딕코딩" panose="020D0009000000000000" pitchFamily="49" charset="-127"/>
+                  <a:ea typeface="나눔고딕코딩" panose="020D0009000000000000" pitchFamily="49" charset="-127"/>
+                </a:rPr>
+                <a:t>.”</a:t>
+              </a:r>
+            </a:p>
+          </p:txBody>
+        </p:sp>
+      </p:grpSp>
     </p:spTree>
     <p:extLst>
       <p:ext uri="{BB962C8B-B14F-4D97-AF65-F5344CB8AC3E}">
@@ -5473,69 +5494,458 @@
           </a:p>
         </p:txBody>
       </p:sp>
-      <p:sp>
-        <p:nvSpPr>
-          <p:cNvPr id="8" name="직사각형 7">
-            <a:extLst>
-              <a:ext uri="{FF2B5EF4-FFF2-40B4-BE49-F238E27FC236}">
-                <a16:creationId xmlns:a16="http://schemas.microsoft.com/office/drawing/2014/main" id="{709C0DF3-0292-41D3-8DB4-723FA727E9C4}"/>
-              </a:ext>
-            </a:extLst>
-          </p:cNvPr>
-          <p:cNvSpPr/>
+      <p:grpSp>
+        <p:nvGrpSpPr>
+          <p:cNvPr id="3" name="그룹 2">
+            <a:extLst>
+              <a:ext uri="{FF2B5EF4-FFF2-40B4-BE49-F238E27FC236}">
+                <a16:creationId xmlns:a16="http://schemas.microsoft.com/office/drawing/2014/main" id="{96A61FFB-B7A6-4C65-A48C-FE88EB9DF9C7}"/>
+              </a:ext>
+            </a:extLst>
+          </p:cNvPr>
+          <p:cNvGrpSpPr/>
           <p:nvPr/>
-        </p:nvSpPr>
-        <p:spPr>
+        </p:nvGrpSpPr>
+        <p:grpSpPr>
           <a:xfrm>
-            <a:off x="1586753" y="1559859"/>
-            <a:ext cx="6211962" cy="828731"/>
+            <a:off x="1462011" y="1544551"/>
+            <a:ext cx="9267977" cy="4757394"/>
+            <a:chOff x="374429" y="1519837"/>
+            <a:chExt cx="9267977" cy="4757394"/>
           </a:xfrm>
-          <a:prstGeom prst="rect">
-            <a:avLst/>
-          </a:prstGeom>
-          <a:solidFill>
-            <a:schemeClr val="accent3">
-              <a:lumMod val="20000"/>
-              <a:lumOff val="80000"/>
-            </a:schemeClr>
-          </a:solidFill>
-          <a:ln w="19050">
+        </p:grpSpPr>
+        <p:sp>
+          <p:nvSpPr>
+            <p:cNvPr id="8" name="직사각형 7">
+              <a:extLst>
+                <a:ext uri="{FF2B5EF4-FFF2-40B4-BE49-F238E27FC236}">
+                  <a16:creationId xmlns:a16="http://schemas.microsoft.com/office/drawing/2014/main" id="{709C0DF3-0292-41D3-8DB4-723FA727E9C4}"/>
+                </a:ext>
+              </a:extLst>
+            </p:cNvPr>
+            <p:cNvSpPr/>
+            <p:nvPr/>
+          </p:nvSpPr>
+          <p:spPr>
+            <a:xfrm>
+              <a:off x="374429" y="1519837"/>
+              <a:ext cx="7297755" cy="646331"/>
+            </a:xfrm>
+            <a:prstGeom prst="rect">
+              <a:avLst/>
+            </a:prstGeom>
             <a:solidFill>
-              <a:schemeClr val="tx1"/>
+              <a:schemeClr val="accent3">
+                <a:lumMod val="20000"/>
+                <a:lumOff val="80000"/>
+              </a:schemeClr>
             </a:solidFill>
-          </a:ln>
-        </p:spPr>
-        <p:style>
-          <a:lnRef idx="2">
-            <a:schemeClr val="accent1">
-              <a:shade val="50000"/>
-            </a:schemeClr>
-          </a:lnRef>
-          <a:fillRef idx="1">
-            <a:schemeClr val="accent1"/>
-          </a:fillRef>
-          <a:effectRef idx="0">
-            <a:schemeClr val="accent1"/>
-          </a:effectRef>
-          <a:fontRef idx="minor">
-            <a:schemeClr val="lt1"/>
-          </a:fontRef>
-        </p:style>
-        <p:txBody>
-          <a:bodyPr rtlCol="0" anchor="ctr"/>
-          <a:lstStyle/>
-          <a:p>
-            <a:pPr algn="ctr"/>
-            <a:endParaRPr lang="en-US" altLang="ko-KR" dirty="0">
+            <a:ln w="19050">
               <a:solidFill>
-                <a:sysClr val="windowText" lastClr="000000"/>
+                <a:schemeClr val="tx1"/>
               </a:solidFill>
-              <a:latin typeface="나눔고딕코딩" panose="020D0009000000000000" pitchFamily="49" charset="-127"/>
-              <a:ea typeface="나눔고딕코딩" panose="020D0009000000000000" pitchFamily="49" charset="-127"/>
-            </a:endParaRPr>
-          </a:p>
-        </p:txBody>
-      </p:sp>
+            </a:ln>
+          </p:spPr>
+          <p:style>
+            <a:lnRef idx="2">
+              <a:schemeClr val="accent1">
+                <a:shade val="50000"/>
+              </a:schemeClr>
+            </a:lnRef>
+            <a:fillRef idx="1">
+              <a:schemeClr val="accent1"/>
+            </a:fillRef>
+            <a:effectRef idx="0">
+              <a:schemeClr val="accent1"/>
+            </a:effectRef>
+            <a:fontRef idx="minor">
+              <a:schemeClr val="lt1"/>
+            </a:fontRef>
+          </p:style>
+          <p:txBody>
+            <a:bodyPr rtlCol="0" anchor="ctr"/>
+            <a:lstStyle/>
+            <a:p>
+              <a:pPr algn="ctr"/>
+              <a:r>
+                <a:rPr lang="en-US" altLang="ko-KR" dirty="0">
+                  <a:solidFill>
+                    <a:sysClr val="windowText" lastClr="000000"/>
+                  </a:solidFill>
+                  <a:latin typeface="나눔고딕코딩" panose="020D0009000000000000" pitchFamily="49" charset="-127"/>
+                  <a:ea typeface="나눔고딕코딩" panose="020D0009000000000000" pitchFamily="49" charset="-127"/>
+                </a:rPr>
+                <a:t>select</a:t>
+              </a:r>
+              <a:r>
+                <a:rPr lang="ko-KR" altLang="en-US" dirty="0">
+                  <a:solidFill>
+                    <a:sysClr val="windowText" lastClr="000000"/>
+                  </a:solidFill>
+                  <a:latin typeface="나눔고딕코딩" panose="020D0009000000000000" pitchFamily="49" charset="-127"/>
+                  <a:ea typeface="나눔고딕코딩" panose="020D0009000000000000" pitchFamily="49" charset="-127"/>
+                </a:rPr>
+                <a:t> 구문은 기본적으로 </a:t>
+              </a:r>
+              <a:r>
+                <a:rPr lang="en-US" altLang="ko-KR" dirty="0">
+                  <a:solidFill>
+                    <a:sysClr val="windowText" lastClr="000000"/>
+                  </a:solidFill>
+                  <a:latin typeface="나눔고딕코딩" panose="020D0009000000000000" pitchFamily="49" charset="-127"/>
+                  <a:ea typeface="나눔고딕코딩" panose="020D0009000000000000" pitchFamily="49" charset="-127"/>
+                </a:rPr>
+                <a:t>switch </a:t>
+              </a:r>
+              <a:r>
+                <a:rPr lang="ko-KR" altLang="en-US" dirty="0">
+                  <a:solidFill>
+                    <a:sysClr val="windowText" lastClr="000000"/>
+                  </a:solidFill>
+                  <a:latin typeface="나눔고딕코딩" panose="020D0009000000000000" pitchFamily="49" charset="-127"/>
+                  <a:ea typeface="나눔고딕코딩" panose="020D0009000000000000" pitchFamily="49" charset="-127"/>
+                </a:rPr>
+                <a:t>문과 구조적으로 비슷하다</a:t>
+              </a:r>
+              <a:r>
+                <a:rPr lang="en-US" altLang="ko-KR" dirty="0">
+                  <a:solidFill>
+                    <a:sysClr val="windowText" lastClr="000000"/>
+                  </a:solidFill>
+                  <a:latin typeface="나눔고딕코딩" panose="020D0009000000000000" pitchFamily="49" charset="-127"/>
+                  <a:ea typeface="나눔고딕코딩" panose="020D0009000000000000" pitchFamily="49" charset="-127"/>
+                </a:rPr>
+                <a:t>.</a:t>
+              </a:r>
+            </a:p>
+          </p:txBody>
+        </p:sp>
+        <p:pic>
+          <p:nvPicPr>
+            <p:cNvPr id="2" name="그림 1">
+              <a:extLst>
+                <a:ext uri="{FF2B5EF4-FFF2-40B4-BE49-F238E27FC236}">
+                  <a16:creationId xmlns:a16="http://schemas.microsoft.com/office/drawing/2014/main" id="{C1226CE2-A152-4435-8636-10CB35F3A0D7}"/>
+                </a:ext>
+              </a:extLst>
+            </p:cNvPr>
+            <p:cNvPicPr>
+              <a:picLocks noChangeAspect="1"/>
+            </p:cNvPicPr>
+            <p:nvPr/>
+          </p:nvPicPr>
+          <p:blipFill>
+            <a:blip r:embed="rId2"/>
+            <a:stretch>
+              <a:fillRect/>
+            </a:stretch>
+          </p:blipFill>
+          <p:spPr>
+            <a:xfrm>
+              <a:off x="786501" y="2861662"/>
+              <a:ext cx="4308872" cy="3415569"/>
+            </a:xfrm>
+            <a:prstGeom prst="rect">
+              <a:avLst/>
+            </a:prstGeom>
+          </p:spPr>
+        </p:pic>
+        <p:sp>
+          <p:nvSpPr>
+            <p:cNvPr id="7" name="직사각형 6">
+              <a:extLst>
+                <a:ext uri="{FF2B5EF4-FFF2-40B4-BE49-F238E27FC236}">
+                  <a16:creationId xmlns:a16="http://schemas.microsoft.com/office/drawing/2014/main" id="{217E153B-EA7A-4B45-B27C-54047DA3CAA7}"/>
+                </a:ext>
+              </a:extLst>
+            </p:cNvPr>
+            <p:cNvSpPr/>
+            <p:nvPr/>
+          </p:nvSpPr>
+          <p:spPr>
+            <a:xfrm>
+              <a:off x="5701962" y="2782670"/>
+              <a:ext cx="3940444" cy="1220919"/>
+            </a:xfrm>
+            <a:prstGeom prst="rect">
+              <a:avLst/>
+            </a:prstGeom>
+            <a:solidFill>
+              <a:schemeClr val="accent3">
+                <a:lumMod val="20000"/>
+                <a:lumOff val="80000"/>
+              </a:schemeClr>
+            </a:solidFill>
+            <a:ln w="19050">
+              <a:solidFill>
+                <a:schemeClr val="tx1"/>
+              </a:solidFill>
+            </a:ln>
+          </p:spPr>
+          <p:style>
+            <a:lnRef idx="2">
+              <a:schemeClr val="accent1">
+                <a:shade val="50000"/>
+              </a:schemeClr>
+            </a:lnRef>
+            <a:fillRef idx="1">
+              <a:schemeClr val="accent1"/>
+            </a:fillRef>
+            <a:effectRef idx="0">
+              <a:schemeClr val="accent1"/>
+            </a:effectRef>
+            <a:fontRef idx="minor">
+              <a:schemeClr val="lt1"/>
+            </a:fontRef>
+          </p:style>
+          <p:txBody>
+            <a:bodyPr rtlCol="0" anchor="ctr"/>
+            <a:lstStyle/>
+            <a:p>
+              <a:pPr algn="ctr"/>
+              <a:r>
+                <a:rPr lang="ko-KR" altLang="en-US" dirty="0">
+                  <a:solidFill>
+                    <a:sysClr val="windowText" lastClr="000000"/>
+                  </a:solidFill>
+                  <a:latin typeface="나눔고딕코딩" panose="020D0009000000000000" pitchFamily="49" charset="-127"/>
+                  <a:ea typeface="나눔고딕코딩" panose="020D0009000000000000" pitchFamily="49" charset="-127"/>
+                </a:rPr>
+                <a:t>그러나 </a:t>
+              </a:r>
+              <a:r>
+                <a:rPr lang="en-US" altLang="ko-KR" dirty="0">
+                  <a:solidFill>
+                    <a:sysClr val="windowText" lastClr="000000"/>
+                  </a:solidFill>
+                  <a:latin typeface="나눔고딕코딩" panose="020D0009000000000000" pitchFamily="49" charset="-127"/>
+                  <a:ea typeface="나눔고딕코딩" panose="020D0009000000000000" pitchFamily="49" charset="-127"/>
+                </a:rPr>
+                <a:t>case</a:t>
+              </a:r>
+              <a:r>
+                <a:rPr lang="ko-KR" altLang="en-US" dirty="0">
+                  <a:solidFill>
+                    <a:sysClr val="windowText" lastClr="000000"/>
+                  </a:solidFill>
+                  <a:latin typeface="나눔고딕코딩" panose="020D0009000000000000" pitchFamily="49" charset="-127"/>
+                  <a:ea typeface="나눔고딕코딩" panose="020D0009000000000000" pitchFamily="49" charset="-127"/>
+                </a:rPr>
+                <a:t>들을 순차적으로 검사하는 </a:t>
+              </a:r>
+              <a:r>
+                <a:rPr lang="en-US" altLang="ko-KR" dirty="0">
+                  <a:solidFill>
+                    <a:sysClr val="windowText" lastClr="000000"/>
+                  </a:solidFill>
+                  <a:latin typeface="나눔고딕코딩" panose="020D0009000000000000" pitchFamily="49" charset="-127"/>
+                  <a:ea typeface="나눔고딕코딩" panose="020D0009000000000000" pitchFamily="49" charset="-127"/>
+                </a:rPr>
+                <a:t>switch</a:t>
+              </a:r>
+              <a:r>
+                <a:rPr lang="ko-KR" altLang="en-US" dirty="0">
+                  <a:solidFill>
+                    <a:sysClr val="windowText" lastClr="000000"/>
+                  </a:solidFill>
+                  <a:latin typeface="나눔고딕코딩" panose="020D0009000000000000" pitchFamily="49" charset="-127"/>
+                  <a:ea typeface="나눔고딕코딩" panose="020D0009000000000000" pitchFamily="49" charset="-127"/>
+                </a:rPr>
+                <a:t>문과 다르게 </a:t>
+              </a:r>
+              <a:r>
+                <a:rPr lang="en-US" altLang="ko-KR" dirty="0">
+                  <a:solidFill>
+                    <a:sysClr val="windowText" lastClr="000000"/>
+                  </a:solidFill>
+                  <a:latin typeface="나눔고딕코딩" panose="020D0009000000000000" pitchFamily="49" charset="-127"/>
+                  <a:ea typeface="나눔고딕코딩" panose="020D0009000000000000" pitchFamily="49" charset="-127"/>
+                </a:rPr>
+                <a:t>select</a:t>
+              </a:r>
+              <a:r>
+                <a:rPr lang="ko-KR" altLang="en-US" dirty="0">
+                  <a:solidFill>
+                    <a:sysClr val="windowText" lastClr="000000"/>
+                  </a:solidFill>
+                  <a:latin typeface="나눔고딕코딩" panose="020D0009000000000000" pitchFamily="49" charset="-127"/>
+                  <a:ea typeface="나눔고딕코딩" panose="020D0009000000000000" pitchFamily="49" charset="-127"/>
+                </a:rPr>
+                <a:t>문은 동시에 모든 채널을 검사한다</a:t>
+              </a:r>
+              <a:r>
+                <a:rPr lang="en-US" altLang="ko-KR" dirty="0">
+                  <a:solidFill>
+                    <a:sysClr val="windowText" lastClr="000000"/>
+                  </a:solidFill>
+                  <a:latin typeface="나눔고딕코딩" panose="020D0009000000000000" pitchFamily="49" charset="-127"/>
+                  <a:ea typeface="나눔고딕코딩" panose="020D0009000000000000" pitchFamily="49" charset="-127"/>
+                </a:rPr>
+                <a:t>.</a:t>
+              </a:r>
+            </a:p>
+          </p:txBody>
+        </p:sp>
+        <p:sp>
+          <p:nvSpPr>
+            <p:cNvPr id="9" name="직사각형 8">
+              <a:extLst>
+                <a:ext uri="{FF2B5EF4-FFF2-40B4-BE49-F238E27FC236}">
+                  <a16:creationId xmlns:a16="http://schemas.microsoft.com/office/drawing/2014/main" id="{6C6F48B0-8849-428F-9042-ADCFA21A3C52}"/>
+                </a:ext>
+              </a:extLst>
+            </p:cNvPr>
+            <p:cNvSpPr/>
+            <p:nvPr/>
+          </p:nvSpPr>
+          <p:spPr>
+            <a:xfrm>
+              <a:off x="5701962" y="4314908"/>
+              <a:ext cx="3940444" cy="1220919"/>
+            </a:xfrm>
+            <a:prstGeom prst="rect">
+              <a:avLst/>
+            </a:prstGeom>
+            <a:solidFill>
+              <a:schemeClr val="accent3">
+                <a:lumMod val="20000"/>
+                <a:lumOff val="80000"/>
+              </a:schemeClr>
+            </a:solidFill>
+            <a:ln w="19050">
+              <a:solidFill>
+                <a:schemeClr val="tx1"/>
+              </a:solidFill>
+            </a:ln>
+          </p:spPr>
+          <p:style>
+            <a:lnRef idx="2">
+              <a:schemeClr val="accent1">
+                <a:shade val="50000"/>
+              </a:schemeClr>
+            </a:lnRef>
+            <a:fillRef idx="1">
+              <a:schemeClr val="accent1"/>
+            </a:fillRef>
+            <a:effectRef idx="0">
+              <a:schemeClr val="accent1"/>
+            </a:effectRef>
+            <a:fontRef idx="minor">
+              <a:schemeClr val="lt1"/>
+            </a:fontRef>
+          </p:style>
+          <p:txBody>
+            <a:bodyPr rtlCol="0" anchor="ctr"/>
+            <a:lstStyle/>
+            <a:p>
+              <a:pPr algn="ctr"/>
+              <a:r>
+                <a:rPr lang="ko-KR" altLang="en-US" dirty="0">
+                  <a:solidFill>
+                    <a:sysClr val="windowText" lastClr="000000"/>
+                  </a:solidFill>
+                  <a:latin typeface="나눔고딕코딩" panose="020D0009000000000000" pitchFamily="49" charset="-127"/>
+                  <a:ea typeface="나눔고딕코딩" panose="020D0009000000000000" pitchFamily="49" charset="-127"/>
+                </a:rPr>
+                <a:t>또한 여러 개의 다른 채널들의</a:t>
+              </a:r>
+              <a:endParaRPr lang="en-US" altLang="ko-KR" dirty="0">
+                <a:solidFill>
+                  <a:sysClr val="windowText" lastClr="000000"/>
+                </a:solidFill>
+                <a:latin typeface="나눔고딕코딩" panose="020D0009000000000000" pitchFamily="49" charset="-127"/>
+                <a:ea typeface="나눔고딕코딩" panose="020D0009000000000000" pitchFamily="49" charset="-127"/>
+              </a:endParaRPr>
+            </a:p>
+            <a:p>
+              <a:pPr algn="ctr"/>
+              <a:r>
+                <a:rPr lang="ko-KR" altLang="en-US" dirty="0">
+                  <a:solidFill>
+                    <a:sysClr val="windowText" lastClr="000000"/>
+                  </a:solidFill>
+                  <a:latin typeface="나눔고딕코딩" panose="020D0009000000000000" pitchFamily="49" charset="-127"/>
+                  <a:ea typeface="나눔고딕코딩" panose="020D0009000000000000" pitchFamily="49" charset="-127"/>
+                </a:rPr>
+                <a:t>공용어 역할을 한다</a:t>
+              </a:r>
+              <a:r>
+                <a:rPr lang="en-US" altLang="ko-KR" dirty="0">
+                  <a:solidFill>
+                    <a:sysClr val="windowText" lastClr="000000"/>
+                  </a:solidFill>
+                  <a:latin typeface="나눔고딕코딩" panose="020D0009000000000000" pitchFamily="49" charset="-127"/>
+                  <a:ea typeface="나눔고딕코딩" panose="020D0009000000000000" pitchFamily="49" charset="-127"/>
+                </a:rPr>
+                <a:t>.</a:t>
+              </a:r>
+            </a:p>
+            <a:p>
+              <a:pPr algn="ctr"/>
+              <a:r>
+                <a:rPr lang="en-US" altLang="ko-KR" dirty="0">
+                  <a:solidFill>
+                    <a:sysClr val="windowText" lastClr="000000"/>
+                  </a:solidFill>
+                  <a:latin typeface="나눔고딕코딩" panose="020D0009000000000000" pitchFamily="49" charset="-127"/>
+                  <a:ea typeface="나눔고딕코딩" panose="020D0009000000000000" pitchFamily="49" charset="-127"/>
+                </a:rPr>
+                <a:t>-&gt; </a:t>
+              </a:r>
+              <a:r>
+                <a:rPr lang="ko-KR" altLang="en-US" dirty="0">
+                  <a:solidFill>
+                    <a:sysClr val="windowText" lastClr="000000"/>
+                  </a:solidFill>
+                  <a:latin typeface="나눔고딕코딩" panose="020D0009000000000000" pitchFamily="49" charset="-127"/>
+                  <a:ea typeface="나눔고딕코딩" panose="020D0009000000000000" pitchFamily="49" charset="-127"/>
+                </a:rPr>
+                <a:t>채널 여러 개 사용 시</a:t>
+              </a:r>
+              <a:endParaRPr lang="en-US" altLang="ko-KR" dirty="0">
+                <a:solidFill>
+                  <a:sysClr val="windowText" lastClr="000000"/>
+                </a:solidFill>
+                <a:latin typeface="나눔고딕코딩" panose="020D0009000000000000" pitchFamily="49" charset="-127"/>
+                <a:ea typeface="나눔고딕코딩" panose="020D0009000000000000" pitchFamily="49" charset="-127"/>
+              </a:endParaRPr>
+            </a:p>
+            <a:p>
+              <a:pPr algn="ctr"/>
+              <a:r>
+                <a:rPr lang="en-US" altLang="ko-KR" dirty="0">
+                  <a:solidFill>
+                    <a:sysClr val="windowText" lastClr="000000"/>
+                  </a:solidFill>
+                  <a:latin typeface="나눔고딕코딩" panose="020D0009000000000000" pitchFamily="49" charset="-127"/>
+                  <a:ea typeface="나눔고딕코딩" panose="020D0009000000000000" pitchFamily="49" charset="-127"/>
+                </a:rPr>
+                <a:t>select</a:t>
+              </a:r>
+              <a:r>
+                <a:rPr lang="ko-KR" altLang="en-US" dirty="0">
+                  <a:solidFill>
+                    <a:sysClr val="windowText" lastClr="000000"/>
+                  </a:solidFill>
+                  <a:latin typeface="나눔고딕코딩" panose="020D0009000000000000" pitchFamily="49" charset="-127"/>
+                  <a:ea typeface="나눔고딕코딩" panose="020D0009000000000000" pitchFamily="49" charset="-127"/>
+                </a:rPr>
+                <a:t>문 활용 가능성이 높다</a:t>
+              </a:r>
+              <a:r>
+                <a:rPr lang="en-US" altLang="ko-KR" dirty="0">
+                  <a:solidFill>
+                    <a:sysClr val="windowText" lastClr="000000"/>
+                  </a:solidFill>
+                  <a:latin typeface="나눔고딕코딩" panose="020D0009000000000000" pitchFamily="49" charset="-127"/>
+                  <a:ea typeface="나눔고딕코딩" panose="020D0009000000000000" pitchFamily="49" charset="-127"/>
+                </a:rPr>
+                <a:t>.</a:t>
+              </a:r>
+            </a:p>
+          </p:txBody>
+        </p:sp>
+      </p:grpSp>
     </p:spTree>
     <p:extLst>
       <p:ext uri="{BB962C8B-B14F-4D97-AF65-F5344CB8AC3E}">
